--- a/ESS_May_2021/Wednesday_May_5th/3_Guides_and_gravity/Guides_and_gravity.pptx
+++ b/ESS_May_2021/Wednesday_May_5th/3_Guides_and_gravity/Guides_and_gravity.pptx
@@ -41464,9 +41464,9 @@
       </p:par>
     </p:tnLst>
     <p:bldLst>
+      <p:bldP build="whole" bldLvl="1" animBg="1" rev="0" advAuto="0" spid="998" grpId="2"/>
       <p:bldP build="whole" bldLvl="1" animBg="1" rev="0" advAuto="0" spid="1003" grpId="3"/>
       <p:bldP build="whole" bldLvl="1" animBg="1" rev="0" advAuto="0" spid="997" grpId="1"/>
-      <p:bldP build="whole" bldLvl="1" animBg="1" rev="0" advAuto="0" spid="998" grpId="2"/>
     </p:bldLst>
   </p:timing>
 </p:sld>
@@ -47178,12 +47178,12 @@
       </p:par>
     </p:tnLst>
     <p:bldLst>
+      <p:bldP build="whole" bldLvl="1" animBg="1" rev="0" advAuto="0" spid="1097" grpId="6"/>
+      <p:bldP build="whole" bldLvl="1" animBg="1" rev="0" advAuto="0" spid="1101" grpId="5"/>
+      <p:bldP build="whole" bldLvl="1" animBg="1" rev="0" advAuto="0" spid="1098" grpId="2"/>
+      <p:bldP build="whole" bldLvl="1" animBg="1" rev="0" advAuto="0" spid="1100" grpId="3"/>
       <p:bldP build="whole" bldLvl="1" animBg="1" rev="0" advAuto="0" spid="1099" grpId="1"/>
-      <p:bldP build="whole" bldLvl="1" animBg="1" rev="0" advAuto="0" spid="1101" grpId="5"/>
-      <p:bldP build="whole" bldLvl="1" animBg="1" rev="0" advAuto="0" spid="1097" grpId="6"/>
       <p:bldP build="whole" bldLvl="1" animBg="1" rev="0" advAuto="0" spid="1096" grpId="4"/>
-      <p:bldP build="whole" bldLvl="1" animBg="1" rev="0" advAuto="0" spid="1100" grpId="3"/>
-      <p:bldP build="whole" bldLvl="1" animBg="1" rev="0" advAuto="0" spid="1098" grpId="2"/>
     </p:bldLst>
   </p:timing>
 </p:sld>
@@ -49100,8 +49100,8 @@
         </p:nvSpPr>
         <p:spPr>
           <a:xfrm rot="390092">
-            <a:off x="7092108" y="371222"/>
-            <a:ext cx="4812024" cy="773180"/>
+            <a:off x="7061507" y="753737"/>
+            <a:ext cx="4812024" cy="773181"/>
           </a:xfrm>
           <a:prstGeom prst="rect">
             <a:avLst/>
